--- a/res/LogoDesign.pptx
+++ b/res/LogoDesign.pptx
@@ -259,7 +259,7 @@
           <a:p>
             <a:fld id="{24E48754-7FB4-B446-B37F-5F5C71A9E81F}" type="datetimeFigureOut">
               <a:rPr lang="en-US" smtClean="0"/>
-              <a:t>1/18/21</a:t>
+              <a:t>3/28/22</a:t>
             </a:fld>
             <a:endParaRPr lang="en-US"/>
           </a:p>
@@ -457,7 +457,7 @@
           <a:p>
             <a:fld id="{24E48754-7FB4-B446-B37F-5F5C71A9E81F}" type="datetimeFigureOut">
               <a:rPr lang="en-US" smtClean="0"/>
-              <a:t>1/18/21</a:t>
+              <a:t>3/28/22</a:t>
             </a:fld>
             <a:endParaRPr lang="en-US"/>
           </a:p>
@@ -665,7 +665,7 @@
           <a:p>
             <a:fld id="{24E48754-7FB4-B446-B37F-5F5C71A9E81F}" type="datetimeFigureOut">
               <a:rPr lang="en-US" smtClean="0"/>
-              <a:t>1/18/21</a:t>
+              <a:t>3/28/22</a:t>
             </a:fld>
             <a:endParaRPr lang="en-US"/>
           </a:p>
@@ -863,7 +863,7 @@
           <a:p>
             <a:fld id="{24E48754-7FB4-B446-B37F-5F5C71A9E81F}" type="datetimeFigureOut">
               <a:rPr lang="en-US" smtClean="0"/>
-              <a:t>1/18/21</a:t>
+              <a:t>3/28/22</a:t>
             </a:fld>
             <a:endParaRPr lang="en-US"/>
           </a:p>
@@ -1138,7 +1138,7 @@
           <a:p>
             <a:fld id="{24E48754-7FB4-B446-B37F-5F5C71A9E81F}" type="datetimeFigureOut">
               <a:rPr lang="en-US" smtClean="0"/>
-              <a:t>1/18/21</a:t>
+              <a:t>3/28/22</a:t>
             </a:fld>
             <a:endParaRPr lang="en-US"/>
           </a:p>
@@ -1403,7 +1403,7 @@
           <a:p>
             <a:fld id="{24E48754-7FB4-B446-B37F-5F5C71A9E81F}" type="datetimeFigureOut">
               <a:rPr lang="en-US" smtClean="0"/>
-              <a:t>1/18/21</a:t>
+              <a:t>3/28/22</a:t>
             </a:fld>
             <a:endParaRPr lang="en-US"/>
           </a:p>
@@ -1815,7 +1815,7 @@
           <a:p>
             <a:fld id="{24E48754-7FB4-B446-B37F-5F5C71A9E81F}" type="datetimeFigureOut">
               <a:rPr lang="en-US" smtClean="0"/>
-              <a:t>1/18/21</a:t>
+              <a:t>3/28/22</a:t>
             </a:fld>
             <a:endParaRPr lang="en-US"/>
           </a:p>
@@ -1956,7 +1956,7 @@
           <a:p>
             <a:fld id="{24E48754-7FB4-B446-B37F-5F5C71A9E81F}" type="datetimeFigureOut">
               <a:rPr lang="en-US" smtClean="0"/>
-              <a:t>1/18/21</a:t>
+              <a:t>3/28/22</a:t>
             </a:fld>
             <a:endParaRPr lang="en-US"/>
           </a:p>
@@ -2069,7 +2069,7 @@
           <a:p>
             <a:fld id="{24E48754-7FB4-B446-B37F-5F5C71A9E81F}" type="datetimeFigureOut">
               <a:rPr lang="en-US" smtClean="0"/>
-              <a:t>1/18/21</a:t>
+              <a:t>3/28/22</a:t>
             </a:fld>
             <a:endParaRPr lang="en-US"/>
           </a:p>
@@ -2380,7 +2380,7 @@
           <a:p>
             <a:fld id="{24E48754-7FB4-B446-B37F-5F5C71A9E81F}" type="datetimeFigureOut">
               <a:rPr lang="en-US" smtClean="0"/>
-              <a:t>1/18/21</a:t>
+              <a:t>3/28/22</a:t>
             </a:fld>
             <a:endParaRPr lang="en-US"/>
           </a:p>
@@ -2668,7 +2668,7 @@
           <a:p>
             <a:fld id="{24E48754-7FB4-B446-B37F-5F5C71A9E81F}" type="datetimeFigureOut">
               <a:rPr lang="en-US" smtClean="0"/>
-              <a:t>1/18/21</a:t>
+              <a:t>3/28/22</a:t>
             </a:fld>
             <a:endParaRPr lang="en-US"/>
           </a:p>
@@ -2909,7 +2909,7 @@
           <a:p>
             <a:fld id="{24E48754-7FB4-B446-B37F-5F5C71A9E81F}" type="datetimeFigureOut">
               <a:rPr lang="en-US" smtClean="0"/>
-              <a:t>1/18/21</a:t>
+              <a:t>3/28/22</a:t>
             </a:fld>
             <a:endParaRPr lang="en-US"/>
           </a:p>
@@ -3355,135 +3355,75 @@
           </a:prstGeom>
         </p:spPr>
       </p:pic>
-      <p:grpSp>
-        <p:nvGrpSpPr>
-          <p:cNvPr id="2" name="Group 1">
-            <a:extLst>
-              <a:ext uri="{FF2B5EF4-FFF2-40B4-BE49-F238E27FC236}">
-                <a16:creationId xmlns:a16="http://schemas.microsoft.com/office/drawing/2014/main" id="{06572B54-FFA7-874D-983A-C74DBAA308FE}"/>
-              </a:ext>
-            </a:extLst>
-          </p:cNvPr>
-          <p:cNvGrpSpPr/>
+      <p:pic>
+        <p:nvPicPr>
+          <p:cNvPr id="12" name="Picture 11" descr="Rectangle&#10;&#10;Description automatically generated with medium confidence">
+            <a:extLst>
+              <a:ext uri="{FF2B5EF4-FFF2-40B4-BE49-F238E27FC236}">
+                <a16:creationId xmlns:a16="http://schemas.microsoft.com/office/drawing/2014/main" id="{92EF39FC-3AAF-9C49-BC3F-B2EE72471AD2}"/>
+              </a:ext>
+            </a:extLst>
+          </p:cNvPr>
+          <p:cNvPicPr>
+            <a:picLocks noChangeAspect="1"/>
+          </p:cNvPicPr>
           <p:nvPr/>
-        </p:nvGrpSpPr>
-        <p:grpSpPr>
+        </p:nvPicPr>
+        <p:blipFill rotWithShape="1">
+          <a:blip r:embed="rId3"/>
+          <a:srcRect l="11910" t="13952" r="6047" b="23986"/>
+          <a:stretch/>
+        </p:blipFill>
+        <p:spPr>
           <a:xfrm>
-            <a:off x="3325561" y="332238"/>
-            <a:ext cx="5540877" cy="1354202"/>
-            <a:chOff x="3346451" y="300710"/>
-            <a:chExt cx="5540877" cy="1354202"/>
+            <a:off x="0" y="0"/>
+            <a:ext cx="12192000" cy="2014150"/>
           </a:xfrm>
-        </p:grpSpPr>
-        <p:sp>
-          <p:nvSpPr>
-            <p:cNvPr id="6" name="TextBox 5">
-              <a:extLst>
-                <a:ext uri="{FF2B5EF4-FFF2-40B4-BE49-F238E27FC236}">
-                  <a16:creationId xmlns:a16="http://schemas.microsoft.com/office/drawing/2014/main" id="{EF8EE9FC-2282-B14F-8424-3B2A6CA18EF1}"/>
-                </a:ext>
-              </a:extLst>
-            </p:cNvPr>
-            <p:cNvSpPr txBox="1"/>
-            <p:nvPr/>
-          </p:nvSpPr>
-          <p:spPr>
-            <a:xfrm>
-              <a:off x="3583528" y="485361"/>
-              <a:ext cx="5303800" cy="1169551"/>
-            </a:xfrm>
-            <a:prstGeom prst="rect">
-              <a:avLst/>
-            </a:prstGeom>
-            <a:noFill/>
-          </p:spPr>
-          <p:txBody>
-            <a:bodyPr wrap="square" rtlCol="0">
-              <a:spAutoFit/>
-            </a:bodyPr>
-            <a:lstStyle/>
-            <a:p>
-              <a:r>
-                <a:rPr lang="en-US" sz="7000" dirty="0">
-                  <a:solidFill>
-                    <a:schemeClr val="bg1"/>
-                  </a:solidFill>
-                  <a:latin typeface="Marcellus SC" panose="020E0602050203020307" pitchFamily="34" charset="0"/>
-                </a:rPr>
-                <a:t>     </a:t>
-              </a:r>
-              <a:r>
-                <a:rPr lang="en-US" sz="7000" dirty="0" err="1">
-                  <a:solidFill>
-                    <a:schemeClr val="bg1"/>
-                  </a:solidFill>
-                  <a:latin typeface="Marcellus SC" panose="020E0602050203020307" pitchFamily="34" charset="0"/>
-                </a:rPr>
-                <a:t>MaxTime</a:t>
-              </a:r>
-              <a:endParaRPr lang="en-US" sz="7000" dirty="0">
+          <a:prstGeom prst="rect">
+            <a:avLst/>
+          </a:prstGeom>
+        </p:spPr>
+      </p:pic>
+      <p:sp>
+        <p:nvSpPr>
+          <p:cNvPr id="6" name="TextBox 5">
+            <a:extLst>
+              <a:ext uri="{FF2B5EF4-FFF2-40B4-BE49-F238E27FC236}">
+                <a16:creationId xmlns:a16="http://schemas.microsoft.com/office/drawing/2014/main" id="{EF8EE9FC-2282-B14F-8424-3B2A6CA18EF1}"/>
+              </a:ext>
+            </a:extLst>
+          </p:cNvPr>
+          <p:cNvSpPr txBox="1"/>
+          <p:nvPr/>
+        </p:nvSpPr>
+        <p:spPr>
+          <a:xfrm>
+            <a:off x="3966897" y="422299"/>
+            <a:ext cx="6942842" cy="1169551"/>
+          </a:xfrm>
+          <a:prstGeom prst="rect">
+            <a:avLst/>
+          </a:prstGeom>
+          <a:noFill/>
+        </p:spPr>
+        <p:txBody>
+          <a:bodyPr wrap="square" rtlCol="0">
+            <a:spAutoFit/>
+          </a:bodyPr>
+          <a:lstStyle/>
+          <a:p>
+            <a:r>
+              <a:rPr lang="en-US" sz="7000" b="1" dirty="0">
                 <a:solidFill>
                   <a:schemeClr val="bg1"/>
                 </a:solidFill>
-                <a:latin typeface="Marcellus SC" panose="020E0602050203020307" pitchFamily="34" charset="0"/>
-              </a:endParaRPr>
-            </a:p>
-          </p:txBody>
-        </p:sp>
-        <p:pic>
-          <p:nvPicPr>
-            <p:cNvPr id="11" name="Picture 10" descr="Logo, company name&#10;&#10;Description automatically generated">
-              <a:extLst>
-                <a:ext uri="{FF2B5EF4-FFF2-40B4-BE49-F238E27FC236}">
-                  <a16:creationId xmlns:a16="http://schemas.microsoft.com/office/drawing/2014/main" id="{D31DD271-3679-954C-B44D-AF3813793C0A}"/>
-                </a:ext>
-              </a:extLst>
-            </p:cNvPr>
-            <p:cNvPicPr>
-              <a:picLocks noChangeAspect="1"/>
-            </p:cNvPicPr>
-            <p:nvPr/>
-          </p:nvPicPr>
-          <p:blipFill>
-            <a:blip r:embed="rId3">
-              <a:extLst>
-                <a:ext uri="{BEBA8EAE-BF5A-486C-A8C5-ECC9F3942E4B}">
-                  <a14:imgProps xmlns:a14="http://schemas.microsoft.com/office/drawing/2010/main">
-                    <a14:imgLayer r:embed="rId4">
-                      <a14:imgEffect>
-                        <a14:backgroundRemoval t="2820" b="99241" l="1589" r="98692">
-                          <a14:foregroundMark x1="1682" y1="75922" x2="10093" y2="64100"/>
-                          <a14:foregroundMark x1="26542" y1="93601" x2="49252" y2="97397"/>
-                          <a14:foregroundMark x1="49252" y1="97397" x2="64579" y2="94360"/>
-                          <a14:foregroundMark x1="64579" y1="94360" x2="66636" y2="90889"/>
-                          <a14:foregroundMark x1="82430" y1="32321" x2="70374" y2="9328"/>
-                          <a14:foregroundMark x1="70374" y1="9328" x2="68785" y2="8026"/>
-                          <a14:foregroundMark x1="71028" y1="2928" x2="72336" y2="3037"/>
-                          <a14:foregroundMark x1="87383" y1="40239" x2="94953" y2="46529"/>
-                          <a14:foregroundMark x1="96822" y1="58134" x2="98692" y2="61822"/>
-                          <a14:foregroundMark x1="73925" y1="98698" x2="71776" y2="99241"/>
-                        </a14:backgroundRemoval>
-                      </a14:imgEffect>
-                    </a14:imgLayer>
-                  </a14:imgProps>
-                </a:ext>
-              </a:extLst>
-            </a:blip>
-            <a:stretch>
-              <a:fillRect/>
-            </a:stretch>
-          </p:blipFill>
-          <p:spPr>
-            <a:xfrm>
-              <a:off x="3346451" y="300710"/>
-              <a:ext cx="1387928" cy="1195953"/>
-            </a:xfrm>
-            <a:prstGeom prst="rect">
-              <a:avLst/>
-            </a:prstGeom>
-          </p:spPr>
-        </p:pic>
-      </p:grpSp>
+                <a:latin typeface="THICCCBOI Thin" pitchFamily="2" charset="77"/>
+              </a:rPr>
+              <a:t>Pledge2Gether</a:t>
+            </a:r>
+          </a:p>
+        </p:txBody>
+      </p:sp>
     </p:spTree>
     <p:extLst>
       <p:ext uri="{BB962C8B-B14F-4D97-AF65-F5344CB8AC3E}">
